--- a/01_FoundationProjects/RCC12_Hybrid_Robot_Car_Bluetooth_NRF/RCC12_Hybrid_Robot_Car_Control_Voice_Bluetooth_NRF.pptx
+++ b/01_FoundationProjects/RCC12_Hybrid_Robot_Car_Bluetooth_NRF/RCC12_Hybrid_Robot_Car_Control_Voice_Bluetooth_NRF.pptx
@@ -208,7 +208,7 @@
           <a:p>
             <a:fld id="{2A311A46-23A7-4CAD-863D-6397CDAD4FD2}" type="datetimeFigureOut">
               <a:rPr lang="en-GB" smtClean="0"/>
-              <a:t>11/01/2026</a:t>
+              <a:t>17/01/2026</a:t>
             </a:fld>
             <a:endParaRPr lang="en-GB"/>
           </a:p>
@@ -4735,7 +4735,7 @@
         </p:nvSpPr>
         <p:spPr bwMode="auto">
           <a:xfrm>
-            <a:off x="884906" y="4719770"/>
+            <a:off x="838200" y="3834866"/>
             <a:ext cx="5771535" cy="584775"/>
           </a:xfrm>
           <a:prstGeom prst="rect">
@@ -4895,8 +4895,8 @@
         </p:nvSpPr>
         <p:spPr>
           <a:xfrm>
-            <a:off x="974571" y="5304545"/>
-            <a:ext cx="4885191" cy="307777"/>
+            <a:off x="935242" y="4419641"/>
+            <a:ext cx="4885191" cy="1169551"/>
           </a:xfrm>
           <a:prstGeom prst="rect">
             <a:avLst/>
@@ -5008,7 +5008,14 @@
             </a:lvl9pPr>
           </a:lstStyle>
           <a:p>
-            <a:endParaRPr lang="en-GB" dirty="0"/>
+            <a:r>
+              <a:rPr lang="en-GB" dirty="0">
+                <a:solidFill>
+                  <a:srgbClr val="00B0F0"/>
+                </a:solidFill>
+              </a:rPr>
+              <a:t>https://github.com/info-zas/zas-robotics-car-2-communications/blob/main/01_FoundationProjects/RCC12_Hybrid_Robot_Car_Bluetooth_NRF/RCC12_Hybrid_Robot_Car_Voice_Bluetooth_NRF_Rx/RCC12_Hybrid_Robot_Car_Voice_Bluetooth_NRF_Rx.ino</a:t>
+            </a:r>
           </a:p>
         </p:txBody>
       </p:sp>
@@ -10662,7 +10669,7 @@
         </p:nvSpPr>
         <p:spPr bwMode="auto">
           <a:xfrm>
-            <a:off x="6420465" y="5339202"/>
+            <a:off x="6066957" y="4697208"/>
             <a:ext cx="5771535" cy="584775"/>
           </a:xfrm>
           <a:prstGeom prst="rect">
@@ -10822,8 +10829,8 @@
         </p:nvSpPr>
         <p:spPr>
           <a:xfrm>
-            <a:off x="6510130" y="5923977"/>
-            <a:ext cx="4885191" cy="307777"/>
+            <a:off x="6154994" y="5281983"/>
+            <a:ext cx="4885191" cy="1169551"/>
           </a:xfrm>
           <a:prstGeom prst="rect">
             <a:avLst/>
@@ -10935,7 +10942,14 @@
             </a:lvl9pPr>
           </a:lstStyle>
           <a:p>
-            <a:endParaRPr lang="en-GB" dirty="0"/>
+            <a:r>
+              <a:rPr lang="en-GB" dirty="0">
+                <a:solidFill>
+                  <a:srgbClr val="00B0F0"/>
+                </a:solidFill>
+              </a:rPr>
+              <a:t>https://github.com/info-zas/zas-robotics-car-2-communications/blob/main/01_FoundationProjects/RCC12_Hybrid_Robot_Car_Bluetooth_NRF/RCC12_Hybrid_Robot_Car_Voice_Bluetooth_NRF_Tx/RCC12_Hybrid_Robot_Car_Voice_Bluetooth_NRF_Tx.ino</a:t>
+            </a:r>
           </a:p>
         </p:txBody>
       </p:sp>
